--- a/46282949_Amit_Kumar.pptx
+++ b/46282949_Amit_Kumar.pptx
@@ -248,7 +248,7 @@
             <a:fld id="{86C988DC-9DE3-4390-97AB-D61B85DACE57}" type="datetimeFigureOut">
               <a:rPr lang="pt-PT" sz="900" smtClean="0"/>
               <a:pPr/>
-              <a:t>06/11/2022</a:t>
+              <a:t>10/01/2023</a:t>
             </a:fld>
             <a:endParaRPr lang="pt-PT" sz="900"/>
           </a:p>
@@ -427,7 +427,7 @@
             <a:fld id="{0835B8F7-DAC4-4931-8AED-4356A8B2FD64}" type="datetimeFigureOut">
               <a:rPr lang="pt-BR" smtClean="0"/>
               <a:pPr/>
-              <a:t>06/11/2022</a:t>
+              <a:t>10/01/2023</a:t>
             </a:fld>
             <a:endParaRPr lang="pt-BR"/>
           </a:p>
@@ -815,7 +815,7 @@
           </p:cNvGraphicFramePr>
           <p:nvPr>
             <p:custDataLst>
-              <p:tags r:id="rId1"/>
+              <p:tags r:id="rId2"/>
             </p:custDataLst>
           </p:nvPr>
         </p:nvGraphicFramePr>
@@ -827,12 +827,12 @@
           <a:graphicData uri="http://schemas.openxmlformats.org/presentationml/2006/ole">
             <mc:AlternateContent xmlns:mc="http://schemas.openxmlformats.org/markup-compatibility/2006">
               <mc:Choice xmlns:v="urn:schemas-microsoft-com:vml" Requires="v">
-                <p:oleObj name="think-cell Slide" r:id="rId5" imgW="360" imgH="360" progId="">
+                <p:oleObj spid="_x0000_s2050" name="think-cell Slide" r:id="rId6" imgW="360" imgH="360" progId="">
                   <p:embed/>
                 </p:oleObj>
               </mc:Choice>
               <mc:Fallback>
-                <p:oleObj name="think-cell Slide" r:id="rId5" imgW="360" imgH="360" progId="">
+                <p:oleObj name="think-cell Slide" r:id="rId6" imgW="360" imgH="360" progId="">
                   <p:embed/>
                   <p:pic>
                     <p:nvPicPr>
@@ -843,7 +843,7 @@
                       <p:nvPr/>
                     </p:nvPicPr>
                     <p:blipFill>
-                      <a:blip r:embed="rId6">
+                      <a:blip r:embed="rId7">
                         <a:extLst>
                           <a:ext uri="{28A0092B-C50C-407E-A947-70E740481C1C}">
                             <a14:useLocalDpi xmlns:a14="http://schemas.microsoft.com/office/drawing/2010/main" val="0"/>
@@ -890,7 +890,7 @@
           <p:nvPr>
             <p:ph type="title" hasCustomPrompt="1"/>
             <p:custDataLst>
-              <p:tags r:id="rId2"/>
+              <p:tags r:id="rId3"/>
             </p:custDataLst>
           </p:nvPr>
         </p:nvSpPr>
@@ -920,7 +920,7 @@
           <p:nvPr>
             <p:ph idx="1" hasCustomPrompt="1"/>
             <p:custDataLst>
-              <p:tags r:id="rId3"/>
+              <p:tags r:id="rId4"/>
             </p:custDataLst>
           </p:nvPr>
         </p:nvSpPr>
@@ -2250,7 +2250,7 @@
           </p:cNvGraphicFramePr>
           <p:nvPr>
             <p:custDataLst>
-              <p:tags r:id="rId1"/>
+              <p:tags r:id="rId2"/>
             </p:custDataLst>
           </p:nvPr>
         </p:nvGraphicFramePr>
@@ -2262,12 +2262,12 @@
           <a:graphicData uri="http://schemas.openxmlformats.org/presentationml/2006/ole">
             <mc:AlternateContent xmlns:mc="http://schemas.openxmlformats.org/markup-compatibility/2006">
               <mc:Choice xmlns:v="urn:schemas-microsoft-com:vml" Requires="v">
-                <p:oleObj name="think-cell Slide" r:id="rId3" imgW="270" imgH="270" progId="TCLayout.ActiveDocument.1">
+                <p:oleObj spid="_x0000_s8194" name="think-cell Slide" r:id="rId4" imgW="270" imgH="270" progId="TCLayout.ActiveDocument.1">
                   <p:embed/>
                 </p:oleObj>
               </mc:Choice>
               <mc:Fallback>
-                <p:oleObj name="think-cell Slide" r:id="rId3" imgW="270" imgH="270" progId="TCLayout.ActiveDocument.1">
+                <p:oleObj name="think-cell Slide" r:id="rId4" imgW="270" imgH="270" progId="TCLayout.ActiveDocument.1">
                   <p:embed/>
                   <p:pic>
                     <p:nvPicPr>
@@ -2278,7 +2278,7 @@
                       <p:nvPr/>
                     </p:nvPicPr>
                     <p:blipFill>
-                      <a:blip r:embed="rId4">
+                      <a:blip r:embed="rId5">
                         <a:extLst>
                           <a:ext uri="{28A0092B-C50C-407E-A947-70E740481C1C}">
                             <a14:useLocalDpi xmlns:a14="http://schemas.microsoft.com/office/drawing/2010/main" val="0"/>
@@ -2724,7 +2724,7 @@
           </p:cNvGraphicFramePr>
           <p:nvPr>
             <p:custDataLst>
-              <p:tags r:id="rId1"/>
+              <p:tags r:id="rId2"/>
             </p:custDataLst>
           </p:nvPr>
         </p:nvGraphicFramePr>
@@ -2736,12 +2736,12 @@
           <a:graphicData uri="http://schemas.openxmlformats.org/presentationml/2006/ole">
             <mc:AlternateContent xmlns:mc="http://schemas.openxmlformats.org/markup-compatibility/2006">
               <mc:Choice xmlns:v="urn:schemas-microsoft-com:vml" Requires="v">
-                <p:oleObj name="think-cell Slide" r:id="rId3" imgW="270" imgH="270" progId="TCLayout.ActiveDocument.1">
+                <p:oleObj spid="_x0000_s9218" name="think-cell Slide" r:id="rId4" imgW="270" imgH="270" progId="TCLayout.ActiveDocument.1">
                   <p:embed/>
                 </p:oleObj>
               </mc:Choice>
               <mc:Fallback>
-                <p:oleObj name="think-cell Slide" r:id="rId3" imgW="270" imgH="270" progId="TCLayout.ActiveDocument.1">
+                <p:oleObj name="think-cell Slide" r:id="rId4" imgW="270" imgH="270" progId="TCLayout.ActiveDocument.1">
                   <p:embed/>
                   <p:pic>
                     <p:nvPicPr>
@@ -2752,7 +2752,7 @@
                       <p:nvPr/>
                     </p:nvPicPr>
                     <p:blipFill>
-                      <a:blip r:embed="rId4">
+                      <a:blip r:embed="rId5">
                         <a:extLst>
                           <a:ext uri="{28A0092B-C50C-407E-A947-70E740481C1C}">
                             <a14:useLocalDpi xmlns:a14="http://schemas.microsoft.com/office/drawing/2010/main" val="0"/>
@@ -2851,7 +2851,7 @@
           </p:cNvGraphicFramePr>
           <p:nvPr>
             <p:custDataLst>
-              <p:tags r:id="rId1"/>
+              <p:tags r:id="rId2"/>
             </p:custDataLst>
           </p:nvPr>
         </p:nvGraphicFramePr>
@@ -2863,12 +2863,12 @@
           <a:graphicData uri="http://schemas.openxmlformats.org/presentationml/2006/ole">
             <mc:AlternateContent xmlns:mc="http://schemas.openxmlformats.org/markup-compatibility/2006">
               <mc:Choice xmlns:v="urn:schemas-microsoft-com:vml" Requires="v">
-                <p:oleObj name="think-cell Slide" r:id="rId3" imgW="270" imgH="270" progId="TCLayout.ActiveDocument.1">
+                <p:oleObj spid="_x0000_s10242" name="think-cell Slide" r:id="rId4" imgW="270" imgH="270" progId="TCLayout.ActiveDocument.1">
                   <p:embed/>
                 </p:oleObj>
               </mc:Choice>
               <mc:Fallback>
-                <p:oleObj name="think-cell Slide" r:id="rId3" imgW="270" imgH="270" progId="TCLayout.ActiveDocument.1">
+                <p:oleObj name="think-cell Slide" r:id="rId4" imgW="270" imgH="270" progId="TCLayout.ActiveDocument.1">
                   <p:embed/>
                   <p:pic>
                     <p:nvPicPr>
@@ -2879,7 +2879,7 @@
                       <p:nvPr/>
                     </p:nvPicPr>
                     <p:blipFill>
-                      <a:blip r:embed="rId4">
+                      <a:blip r:embed="rId5">
                         <a:extLst>
                           <a:ext uri="{28A0092B-C50C-407E-A947-70E740481C1C}">
                             <a14:useLocalDpi xmlns:a14="http://schemas.microsoft.com/office/drawing/2010/main" val="0"/>
@@ -4385,7 +4385,7 @@
           </p:cNvGraphicFramePr>
           <p:nvPr>
             <p:custDataLst>
-              <p:tags r:id="rId1"/>
+              <p:tags r:id="rId2"/>
             </p:custDataLst>
           </p:nvPr>
         </p:nvGraphicFramePr>
@@ -4397,12 +4397,12 @@
           <a:graphicData uri="http://schemas.openxmlformats.org/presentationml/2006/ole">
             <mc:AlternateContent xmlns:mc="http://schemas.openxmlformats.org/markup-compatibility/2006">
               <mc:Choice xmlns:v="urn:schemas-microsoft-com:vml" Requires="v">
-                <p:oleObj name="think-cell Slide" r:id="rId6" imgW="360" imgH="360" progId="">
+                <p:oleObj spid="_x0000_s3074" name="think-cell Slide" r:id="rId7" imgW="360" imgH="360" progId="">
                   <p:embed/>
                 </p:oleObj>
               </mc:Choice>
               <mc:Fallback>
-                <p:oleObj name="think-cell Slide" r:id="rId6" imgW="360" imgH="360" progId="">
+                <p:oleObj name="think-cell Slide" r:id="rId7" imgW="360" imgH="360" progId="">
                   <p:embed/>
                   <p:pic>
                     <p:nvPicPr>
@@ -4413,7 +4413,7 @@
                       <p:nvPr/>
                     </p:nvPicPr>
                     <p:blipFill>
-                      <a:blip r:embed="rId7">
+                      <a:blip r:embed="rId8">
                         <a:extLst>
                           <a:ext uri="{28A0092B-C50C-407E-A947-70E740481C1C}">
                             <a14:useLocalDpi xmlns:a14="http://schemas.microsoft.com/office/drawing/2010/main" val="0"/>
@@ -4460,7 +4460,7 @@
           <p:nvPr>
             <p:ph type="title" hasCustomPrompt="1"/>
             <p:custDataLst>
-              <p:tags r:id="rId2"/>
+              <p:tags r:id="rId3"/>
             </p:custDataLst>
           </p:nvPr>
         </p:nvSpPr>
@@ -4490,7 +4490,7 @@
           <p:nvPr>
             <p:ph idx="1" hasCustomPrompt="1"/>
             <p:custDataLst>
-              <p:tags r:id="rId3"/>
+              <p:tags r:id="rId4"/>
             </p:custDataLst>
           </p:nvPr>
         </p:nvSpPr>
@@ -4546,7 +4546,7 @@
           <p:nvPr>
             <p:ph type="body" sz="quarter" idx="11" hasCustomPrompt="1"/>
             <p:custDataLst>
-              <p:tags r:id="rId4"/>
+              <p:tags r:id="rId5"/>
             </p:custDataLst>
           </p:nvPr>
         </p:nvSpPr>
@@ -5284,7 +5284,7 @@
           </p:cNvGraphicFramePr>
           <p:nvPr>
             <p:custDataLst>
-              <p:tags r:id="rId1"/>
+              <p:tags r:id="rId2"/>
             </p:custDataLst>
           </p:nvPr>
         </p:nvGraphicFramePr>
@@ -5296,12 +5296,12 @@
           <a:graphicData uri="http://schemas.openxmlformats.org/presentationml/2006/ole">
             <mc:AlternateContent xmlns:mc="http://schemas.openxmlformats.org/markup-compatibility/2006">
               <mc:Choice xmlns:v="urn:schemas-microsoft-com:vml" Requires="v">
-                <p:oleObj name="think-cell Slide" r:id="rId3" imgW="270" imgH="270" progId="TCLayout.ActiveDocument.1">
+                <p:oleObj spid="_x0000_s12290" name="think-cell Slide" r:id="rId4" imgW="270" imgH="270" progId="TCLayout.ActiveDocument.1">
                   <p:embed/>
                 </p:oleObj>
               </mc:Choice>
               <mc:Fallback>
-                <p:oleObj name="think-cell Slide" r:id="rId3" imgW="270" imgH="270" progId="TCLayout.ActiveDocument.1">
+                <p:oleObj name="think-cell Slide" r:id="rId4" imgW="270" imgH="270" progId="TCLayout.ActiveDocument.1">
                   <p:embed/>
                   <p:pic>
                     <p:nvPicPr>
@@ -5312,7 +5312,7 @@
                       <p:nvPr/>
                     </p:nvPicPr>
                     <p:blipFill>
-                      <a:blip r:embed="rId4">
+                      <a:blip r:embed="rId5">
                         <a:extLst>
                           <a:ext uri="{28A0092B-C50C-407E-A947-70E740481C1C}">
                             <a14:useLocalDpi xmlns:a14="http://schemas.microsoft.com/office/drawing/2010/main" val="0"/>
@@ -5758,7 +5758,7 @@
           </p:cNvGraphicFramePr>
           <p:nvPr>
             <p:custDataLst>
-              <p:tags r:id="rId1"/>
+              <p:tags r:id="rId2"/>
             </p:custDataLst>
           </p:nvPr>
         </p:nvGraphicFramePr>
@@ -5770,12 +5770,12 @@
           <a:graphicData uri="http://schemas.openxmlformats.org/presentationml/2006/ole">
             <mc:AlternateContent xmlns:mc="http://schemas.openxmlformats.org/markup-compatibility/2006">
               <mc:Choice xmlns:v="urn:schemas-microsoft-com:vml" Requires="v">
-                <p:oleObj name="think-cell Slide" r:id="rId3" imgW="270" imgH="270" progId="TCLayout.ActiveDocument.1">
+                <p:oleObj spid="_x0000_s13314" name="think-cell Slide" r:id="rId4" imgW="270" imgH="270" progId="TCLayout.ActiveDocument.1">
                   <p:embed/>
                 </p:oleObj>
               </mc:Choice>
               <mc:Fallback>
-                <p:oleObj name="think-cell Slide" r:id="rId3" imgW="270" imgH="270" progId="TCLayout.ActiveDocument.1">
+                <p:oleObj name="think-cell Slide" r:id="rId4" imgW="270" imgH="270" progId="TCLayout.ActiveDocument.1">
                   <p:embed/>
                   <p:pic>
                     <p:nvPicPr>
@@ -5786,7 +5786,7 @@
                       <p:nvPr/>
                     </p:nvPicPr>
                     <p:blipFill>
-                      <a:blip r:embed="rId4">
+                      <a:blip r:embed="rId5">
                         <a:extLst>
                           <a:ext uri="{28A0092B-C50C-407E-A947-70E740481C1C}">
                             <a14:useLocalDpi xmlns:a14="http://schemas.microsoft.com/office/drawing/2010/main" val="0"/>
@@ -7673,7 +7673,7 @@
           </p:cNvGraphicFramePr>
           <p:nvPr>
             <p:custDataLst>
-              <p:tags r:id="rId1"/>
+              <p:tags r:id="rId2"/>
             </p:custDataLst>
           </p:nvPr>
         </p:nvGraphicFramePr>
@@ -7685,12 +7685,12 @@
           <a:graphicData uri="http://schemas.openxmlformats.org/presentationml/2006/ole">
             <mc:AlternateContent xmlns:mc="http://schemas.openxmlformats.org/markup-compatibility/2006">
               <mc:Choice xmlns:v="urn:schemas-microsoft-com:vml" Requires="v">
-                <p:oleObj name="think-cell Slide" r:id="rId3" imgW="270" imgH="270" progId="TCLayout.ActiveDocument.1">
+                <p:oleObj spid="_x0000_s14338" name="think-cell Slide" r:id="rId4" imgW="270" imgH="270" progId="TCLayout.ActiveDocument.1">
                   <p:embed/>
                 </p:oleObj>
               </mc:Choice>
               <mc:Fallback>
-                <p:oleObj name="think-cell Slide" r:id="rId3" imgW="270" imgH="270" progId="TCLayout.ActiveDocument.1">
+                <p:oleObj name="think-cell Slide" r:id="rId4" imgW="270" imgH="270" progId="TCLayout.ActiveDocument.1">
                   <p:embed/>
                   <p:pic>
                     <p:nvPicPr>
@@ -7701,7 +7701,7 @@
                       <p:nvPr/>
                     </p:nvPicPr>
                     <p:blipFill>
-                      <a:blip r:embed="rId4">
+                      <a:blip r:embed="rId5">
                         <a:extLst>
                           <a:ext uri="{28A0092B-C50C-407E-A947-70E740481C1C}">
                             <a14:useLocalDpi xmlns:a14="http://schemas.microsoft.com/office/drawing/2010/main" val="0"/>
@@ -11224,7 +11224,7 @@
           </p:cNvGraphicFramePr>
           <p:nvPr>
             <p:custDataLst>
-              <p:tags r:id="rId1"/>
+              <p:tags r:id="rId2"/>
             </p:custDataLst>
           </p:nvPr>
         </p:nvGraphicFramePr>
@@ -11236,12 +11236,12 @@
           <a:graphicData uri="http://schemas.openxmlformats.org/presentationml/2006/ole">
             <mc:AlternateContent xmlns:mc="http://schemas.openxmlformats.org/markup-compatibility/2006">
               <mc:Choice xmlns:v="urn:schemas-microsoft-com:vml" Requires="v">
-                <p:oleObj name="think-cell Slide" r:id="rId6" imgW="360" imgH="360" progId="">
+                <p:oleObj spid="_x0000_s4098" name="think-cell Slide" r:id="rId7" imgW="360" imgH="360" progId="">
                   <p:embed/>
                 </p:oleObj>
               </mc:Choice>
               <mc:Fallback>
-                <p:oleObj name="think-cell Slide" r:id="rId6" imgW="360" imgH="360" progId="">
+                <p:oleObj name="think-cell Slide" r:id="rId7" imgW="360" imgH="360" progId="">
                   <p:embed/>
                   <p:pic>
                     <p:nvPicPr>
@@ -11252,7 +11252,7 @@
                       <p:nvPr/>
                     </p:nvPicPr>
                     <p:blipFill>
-                      <a:blip r:embed="rId7">
+                      <a:blip r:embed="rId8">
                         <a:extLst>
                           <a:ext uri="{28A0092B-C50C-407E-A947-70E740481C1C}">
                             <a14:useLocalDpi xmlns:a14="http://schemas.microsoft.com/office/drawing/2010/main" val="0"/>
@@ -11299,7 +11299,7 @@
           <p:nvPr>
             <p:ph type="title" hasCustomPrompt="1"/>
             <p:custDataLst>
-              <p:tags r:id="rId2"/>
+              <p:tags r:id="rId3"/>
             </p:custDataLst>
           </p:nvPr>
         </p:nvSpPr>
@@ -11329,7 +11329,7 @@
           <p:nvPr>
             <p:ph sz="quarter" idx="10" hasCustomPrompt="1"/>
             <p:custDataLst>
-              <p:tags r:id="rId3"/>
+              <p:tags r:id="rId4"/>
             </p:custDataLst>
           </p:nvPr>
         </p:nvSpPr>
@@ -11385,7 +11385,7 @@
           <p:nvPr>
             <p:ph sz="quarter" idx="11" hasCustomPrompt="1"/>
             <p:custDataLst>
-              <p:tags r:id="rId4"/>
+              <p:tags r:id="rId5"/>
             </p:custDataLst>
           </p:nvPr>
         </p:nvSpPr>
@@ -11470,7 +11470,7 @@
           </p:cNvGraphicFramePr>
           <p:nvPr>
             <p:custDataLst>
-              <p:tags r:id="rId1"/>
+              <p:tags r:id="rId2"/>
             </p:custDataLst>
           </p:nvPr>
         </p:nvGraphicFramePr>
@@ -11482,12 +11482,12 @@
           <a:graphicData uri="http://schemas.openxmlformats.org/presentationml/2006/ole">
             <mc:AlternateContent xmlns:mc="http://schemas.openxmlformats.org/markup-compatibility/2006">
               <mc:Choice xmlns:v="urn:schemas-microsoft-com:vml" Requires="v">
-                <p:oleObj name="think-cell Slide" r:id="rId8" imgW="360" imgH="360" progId="">
+                <p:oleObj spid="_x0000_s5122" name="think-cell Slide" r:id="rId9" imgW="360" imgH="360" progId="">
                   <p:embed/>
                 </p:oleObj>
               </mc:Choice>
               <mc:Fallback>
-                <p:oleObj name="think-cell Slide" r:id="rId8" imgW="360" imgH="360" progId="">
+                <p:oleObj name="think-cell Slide" r:id="rId9" imgW="360" imgH="360" progId="">
                   <p:embed/>
                   <p:pic>
                     <p:nvPicPr>
@@ -11498,7 +11498,7 @@
                       <p:nvPr/>
                     </p:nvPicPr>
                     <p:blipFill>
-                      <a:blip r:embed="rId9">
+                      <a:blip r:embed="rId10">
                         <a:extLst>
                           <a:ext uri="{28A0092B-C50C-407E-A947-70E740481C1C}">
                             <a14:useLocalDpi xmlns:a14="http://schemas.microsoft.com/office/drawing/2010/main" val="0"/>
@@ -11545,7 +11545,7 @@
           <p:nvPr>
             <p:ph type="title" hasCustomPrompt="1"/>
             <p:custDataLst>
-              <p:tags r:id="rId2"/>
+              <p:tags r:id="rId3"/>
             </p:custDataLst>
           </p:nvPr>
         </p:nvSpPr>
@@ -11575,7 +11575,7 @@
           <p:nvPr>
             <p:ph sz="quarter" idx="10" hasCustomPrompt="1"/>
             <p:custDataLst>
-              <p:tags r:id="rId3"/>
+              <p:tags r:id="rId4"/>
             </p:custDataLst>
           </p:nvPr>
         </p:nvSpPr>
@@ -11640,7 +11640,7 @@
           <p:nvPr>
             <p:ph sz="quarter" idx="11" hasCustomPrompt="1"/>
             <p:custDataLst>
-              <p:tags r:id="rId4"/>
+              <p:tags r:id="rId5"/>
             </p:custDataLst>
           </p:nvPr>
         </p:nvSpPr>
@@ -11705,7 +11705,7 @@
           <p:nvPr>
             <p:ph type="body" sz="quarter" idx="12" hasCustomPrompt="1"/>
             <p:custDataLst>
-              <p:tags r:id="rId5"/>
+              <p:tags r:id="rId6"/>
             </p:custDataLst>
           </p:nvPr>
         </p:nvSpPr>
@@ -11751,7 +11751,7 @@
           <p:nvPr>
             <p:ph type="body" sz="quarter" idx="13" hasCustomPrompt="1"/>
             <p:custDataLst>
-              <p:tags r:id="rId6"/>
+              <p:tags r:id="rId7"/>
             </p:custDataLst>
           </p:nvPr>
         </p:nvSpPr>
@@ -12661,7 +12661,7 @@
           </p:cNvGraphicFramePr>
           <p:nvPr>
             <p:custDataLst>
-              <p:tags r:id="rId1"/>
+              <p:tags r:id="rId2"/>
             </p:custDataLst>
           </p:nvPr>
         </p:nvGraphicFramePr>
@@ -12673,12 +12673,12 @@
           <a:graphicData uri="http://schemas.openxmlformats.org/presentationml/2006/ole">
             <mc:AlternateContent xmlns:mc="http://schemas.openxmlformats.org/markup-compatibility/2006">
               <mc:Choice xmlns:v="urn:schemas-microsoft-com:vml" Requires="v">
-                <p:oleObj name="think-cell Slide" r:id="rId4" imgW="360" imgH="360" progId="">
+                <p:oleObj spid="_x0000_s6146" name="think-cell Slide" r:id="rId5" imgW="360" imgH="360" progId="">
                   <p:embed/>
                 </p:oleObj>
               </mc:Choice>
               <mc:Fallback>
-                <p:oleObj name="think-cell Slide" r:id="rId4" imgW="360" imgH="360" progId="">
+                <p:oleObj name="think-cell Slide" r:id="rId5" imgW="360" imgH="360" progId="">
                   <p:embed/>
                   <p:pic>
                     <p:nvPicPr>
@@ -12689,7 +12689,7 @@
                       <p:nvPr/>
                     </p:nvPicPr>
                     <p:blipFill>
-                      <a:blip r:embed="rId5">
+                      <a:blip r:embed="rId6">
                         <a:extLst>
                           <a:ext uri="{28A0092B-C50C-407E-A947-70E740481C1C}">
                             <a14:useLocalDpi xmlns:a14="http://schemas.microsoft.com/office/drawing/2010/main" val="0"/>
@@ -12736,7 +12736,7 @@
           <p:nvPr>
             <p:ph type="title" hasCustomPrompt="1"/>
             <p:custDataLst>
-              <p:tags r:id="rId2"/>
+              <p:tags r:id="rId3"/>
             </p:custDataLst>
           </p:nvPr>
         </p:nvSpPr>
@@ -12795,7 +12795,7 @@
           </p:cNvGraphicFramePr>
           <p:nvPr>
             <p:custDataLst>
-              <p:tags r:id="rId1"/>
+              <p:tags r:id="rId2"/>
             </p:custDataLst>
           </p:nvPr>
         </p:nvGraphicFramePr>
@@ -12807,12 +12807,12 @@
           <a:graphicData uri="http://schemas.openxmlformats.org/presentationml/2006/ole">
             <mc:AlternateContent xmlns:mc="http://schemas.openxmlformats.org/markup-compatibility/2006">
               <mc:Choice xmlns:v="urn:schemas-microsoft-com:vml" Requires="v">
-                <p:oleObj name="think-cell Slide" r:id="rId3" imgW="360" imgH="360" progId="">
+                <p:oleObj spid="_x0000_s7170" name="think-cell Slide" r:id="rId4" imgW="360" imgH="360" progId="">
                   <p:embed/>
                 </p:oleObj>
               </mc:Choice>
               <mc:Fallback>
-                <p:oleObj name="think-cell Slide" r:id="rId3" imgW="360" imgH="360" progId="">
+                <p:oleObj name="think-cell Slide" r:id="rId4" imgW="360" imgH="360" progId="">
                   <p:embed/>
                   <p:pic>
                     <p:nvPicPr>
@@ -12823,7 +12823,7 @@
                       <p:nvPr/>
                     </p:nvPicPr>
                     <p:blipFill>
-                      <a:blip r:embed="rId4">
+                      <a:blip r:embed="rId5">
                         <a:extLst>
                           <a:ext uri="{28A0092B-C50C-407E-A947-70E740481C1C}">
                             <a14:useLocalDpi xmlns:a14="http://schemas.microsoft.com/office/drawing/2010/main" val="0"/>
@@ -13001,7 +13001,7 @@
             <a:fld id="{425404F2-BE9A-4460-8815-8F645183555F}" type="datetimeFigureOut">
               <a:rPr lang="en-US" smtClean="0"/>
               <a:pPr/>
-              <a:t>11/6/2022</a:t>
+              <a:t>1/10/2023</a:t>
             </a:fld>
             <a:endParaRPr lang="en-US"/>
           </a:p>
@@ -13204,7 +13204,7 @@
           </p:cNvGraphicFramePr>
           <p:nvPr>
             <p:custDataLst>
-              <p:tags r:id="rId18"/>
+              <p:tags r:id="rId19"/>
             </p:custDataLst>
           </p:nvPr>
         </p:nvGraphicFramePr>
@@ -13216,12 +13216,12 @@
           <a:graphicData uri="http://schemas.openxmlformats.org/presentationml/2006/ole">
             <mc:AlternateContent xmlns:mc="http://schemas.openxmlformats.org/markup-compatibility/2006">
               <mc:Choice xmlns:v="urn:schemas-microsoft-com:vml" Requires="v">
-                <p:oleObj name="think-cell Slide" r:id="rId24" imgW="360" imgH="360" progId="">
+                <p:oleObj spid="_x0000_s1026" name="think-cell Slide" r:id="rId25" imgW="360" imgH="360" progId="">
                   <p:embed/>
                 </p:oleObj>
               </mc:Choice>
               <mc:Fallback>
-                <p:oleObj name="think-cell Slide" r:id="rId24" imgW="360" imgH="360" progId="">
+                <p:oleObj name="think-cell Slide" r:id="rId25" imgW="360" imgH="360" progId="">
                   <p:embed/>
                   <p:pic>
                     <p:nvPicPr>
@@ -13232,7 +13232,7 @@
                       <p:nvPr/>
                     </p:nvPicPr>
                     <p:blipFill>
-                      <a:blip r:embed="rId25">
+                      <a:blip r:embed="rId26">
                         <a:extLst>
                           <a:ext uri="{28A0092B-C50C-407E-A947-70E740481C1C}">
                             <a14:useLocalDpi xmlns:a14="http://schemas.microsoft.com/office/drawing/2010/main" val="0"/>
@@ -13279,7 +13279,7 @@
           <p:nvPr>
             <p:ph type="title"/>
             <p:custDataLst>
-              <p:tags r:id="rId19"/>
+              <p:tags r:id="rId20"/>
             </p:custDataLst>
           </p:nvPr>
         </p:nvSpPr>
@@ -13315,7 +13315,7 @@
           <p:nvPr>
             <p:ph type="body" idx="1"/>
             <p:custDataLst>
-              <p:tags r:id="rId20"/>
+              <p:tags r:id="rId21"/>
             </p:custDataLst>
           </p:nvPr>
         </p:nvSpPr>
@@ -13371,7 +13371,7 @@
           </p:cNvSpPr>
           <p:nvPr>
             <p:custDataLst>
-              <p:tags r:id="rId21"/>
+              <p:tags r:id="rId22"/>
             </p:custDataLst>
           </p:nvPr>
         </p:nvSpPr>
@@ -13514,7 +13514,7 @@
           <p:cNvCxnSpPr/>
           <p:nvPr>
             <p:custDataLst>
-              <p:tags r:id="rId22"/>
+              <p:tags r:id="rId23"/>
             </p:custDataLst>
           </p:nvPr>
         </p:nvCxnSpPr>
@@ -13853,7 +13853,7 @@
           </p:cNvSpPr>
           <p:nvPr>
             <p:custDataLst>
-              <p:tags r:id="rId23"/>
+              <p:tags r:id="rId24"/>
             </p:custDataLst>
           </p:nvPr>
         </p:nvSpPr>
@@ -15941,7 +15941,7 @@
           </p:cNvGraphicFramePr>
           <p:nvPr>
             <p:custDataLst>
-              <p:tags r:id="rId12"/>
+              <p:tags r:id="rId13"/>
             </p:custDataLst>
           </p:nvPr>
         </p:nvGraphicFramePr>
@@ -15953,12 +15953,12 @@
           <a:graphicData uri="http://schemas.openxmlformats.org/presentationml/2006/ole">
             <mc:AlternateContent xmlns:mc="http://schemas.openxmlformats.org/markup-compatibility/2006">
               <mc:Choice xmlns:v="urn:schemas-microsoft-com:vml" Requires="v">
-                <p:oleObj name="think-cell Slide" r:id="rId13" imgW="270" imgH="270" progId="TCLayout.ActiveDocument.1">
+                <p:oleObj spid="_x0000_s11266" name="think-cell Slide" r:id="rId14" imgW="270" imgH="270" progId="TCLayout.ActiveDocument.1">
                   <p:embed/>
                 </p:oleObj>
               </mc:Choice>
               <mc:Fallback>
-                <p:oleObj name="think-cell Slide" r:id="rId13" imgW="270" imgH="270" progId="TCLayout.ActiveDocument.1">
+                <p:oleObj name="think-cell Slide" r:id="rId14" imgW="270" imgH="270" progId="TCLayout.ActiveDocument.1">
                   <p:embed/>
                   <p:pic>
                     <p:nvPicPr>
@@ -15969,7 +15969,7 @@
                       <p:nvPr/>
                     </p:nvPicPr>
                     <p:blipFill>
-                      <a:blip r:embed="rId14">
+                      <a:blip r:embed="rId15">
                         <a:extLst>
                           <a:ext uri="{28A0092B-C50C-407E-A947-70E740481C1C}">
                             <a14:useLocalDpi xmlns:a14="http://schemas.microsoft.com/office/drawing/2010/main" val="0"/>
@@ -17430,8 +17430,19 @@
               <a:rPr lang="en-IN" b="0" i="0" dirty="0">
                 <a:effectLst/>
               </a:rPr>
-              <a:t> – SQL for data science, Introduction to data science in python</a:t>
-            </a:r>
+              <a:t> – SQL for data science, Introduction to data science in python, </a:t>
+            </a:r>
+            <a:r>
+              <a:rPr lang="en-IN" dirty="0"/>
+              <a:t>AWS CCP, Agile software development.</a:t>
+            </a:r>
+          </a:p>
+          <a:p>
+            <a:pPr eaLnBrk="1" hangingPunct="1">
+              <a:lnSpc>
+                <a:spcPct val="114000"/>
+              </a:lnSpc>
+            </a:pPr>
             <a:endParaRPr lang="en-US" altLang="en-US" dirty="0"/>
           </a:p>
           <a:p>
@@ -17810,6 +17821,20 @@
             <a:r>
               <a:rPr lang="en-US" dirty="0"/>
               <a:t> environment, creating VM instance , bucket, load balancing, deployment, traffic-handling using GCP Cloud.</a:t>
+            </a:r>
+          </a:p>
+          <a:p>
+            <a:pPr marL="171450" indent="-171450">
+              <a:buFont typeface="Arial" panose="020B0604020202020204" pitchFamily="34" charset="0"/>
+              <a:buChar char="•"/>
+            </a:pPr>
+            <a:r>
+              <a:rPr lang="en-US" dirty="0"/>
+              <a:t>Basic understanding of </a:t>
+            </a:r>
+            <a:r>
+              <a:rPr lang="en-US" b="1" dirty="0"/>
+              <a:t>AWS</a:t>
             </a:r>
           </a:p>
           <a:p>
@@ -19937,26 +19962,6 @@
 </file>
 
 <file path=customXml/item1.xml><?xml version="1.0" encoding="utf-8"?>
-<p:properties xmlns:p="http://schemas.microsoft.com/office/2006/metadata/properties" xmlns:xsi="http://www.w3.org/2001/XMLSchema-instance" xmlns:pc="http://schemas.microsoft.com/office/infopath/2007/PartnerControls">
-  <documentManagement>
-    <lcf76f155ced4ddcb4097134ff3c332f xmlns="e0ffb6ef-0000-48aa-9041-fb29fcb198e5">
-      <Terms xmlns="http://schemas.microsoft.com/office/infopath/2007/PartnerControls"/>
-    </lcf76f155ced4ddcb4097134ff3c332f>
-    <TaxCatchAll xmlns="900c2a09-0d28-449b-b8ad-3e76d664ec44" xsi:nil="true"/>
-  </documentManagement>
-</p:properties>
-</file>
-
-<file path=customXml/item2.xml><?xml version="1.0" encoding="utf-8"?>
-<?mso-contentType ?>
-<FormTemplates xmlns="http://schemas.microsoft.com/sharepoint/v3/contenttype/forms">
-  <Display>DocumentLibraryForm</Display>
-  <Edit>DocumentLibraryForm</Edit>
-  <New>DocumentLibraryForm</New>
-</FormTemplates>
-</file>
-
-<file path=customXml/item3.xml><?xml version="1.0" encoding="utf-8"?>
 <ct:contentTypeSchema xmlns:ct="http://schemas.microsoft.com/office/2006/metadata/contentType" xmlns:ma="http://schemas.microsoft.com/office/2006/metadata/properties/metaAttributes" ct:_="" ma:_="" ma:contentTypeName="Document" ma:contentTypeID="0x010100C3F2D984F0DC8B4F81A100EEA18D209A" ma:contentTypeVersion="12" ma:contentTypeDescription="Create a new document." ma:contentTypeScope="" ma:versionID="c8b7a84c3ffa203a33e73c9a0eacaf0c">
   <xsd:schema xmlns:xsd="http://www.w3.org/2001/XMLSchema" xmlns:xs="http://www.w3.org/2001/XMLSchema" xmlns:p="http://schemas.microsoft.com/office/2006/metadata/properties" xmlns:ns2="e0ffb6ef-0000-48aa-9041-fb29fcb198e5" xmlns:ns3="900c2a09-0d28-449b-b8ad-3e76d664ec44" targetNamespace="http://schemas.microsoft.com/office/2006/metadata/properties" ma:root="true" ma:fieldsID="9f1229bde29e73ea29286fbdda2b4ab6" ns2:_="" ns3:_="">
     <xsd:import namespace="e0ffb6ef-0000-48aa-9041-fb29fcb198e5"/>
@@ -20173,7 +20178,54 @@
 </ct:contentTypeSchema>
 </file>
 
+<file path=customXml/item2.xml><?xml version="1.0" encoding="utf-8"?>
+<?mso-contentType ?>
+<FormTemplates xmlns="http://schemas.microsoft.com/sharepoint/v3/contenttype/forms">
+  <Display>DocumentLibraryForm</Display>
+  <Edit>DocumentLibraryForm</Edit>
+  <New>DocumentLibraryForm</New>
+</FormTemplates>
+</file>
+
+<file path=customXml/item3.xml><?xml version="1.0" encoding="utf-8"?>
+<p:properties xmlns:p="http://schemas.microsoft.com/office/2006/metadata/properties" xmlns:xsi="http://www.w3.org/2001/XMLSchema-instance" xmlns:pc="http://schemas.microsoft.com/office/infopath/2007/PartnerControls">
+  <documentManagement>
+    <lcf76f155ced4ddcb4097134ff3c332f xmlns="e0ffb6ef-0000-48aa-9041-fb29fcb198e5">
+      <Terms xmlns="http://schemas.microsoft.com/office/infopath/2007/PartnerControls"/>
+    </lcf76f155ced4ddcb4097134ff3c332f>
+    <TaxCatchAll xmlns="900c2a09-0d28-449b-b8ad-3e76d664ec44" xsi:nil="true"/>
+  </documentManagement>
+</p:properties>
+</file>
+
 <file path=customXml/itemProps1.xml><?xml version="1.0" encoding="utf-8"?>
+<ds:datastoreItem xmlns:ds="http://schemas.openxmlformats.org/officeDocument/2006/customXml" ds:itemID="{0609FC2D-FF61-443E-B441-93BB704A382B}">
+  <ds:schemaRefs>
+    <ds:schemaRef ds:uri="http://schemas.microsoft.com/office/2006/metadata/contentType"/>
+    <ds:schemaRef ds:uri="http://schemas.microsoft.com/office/2006/metadata/properties/metaAttributes"/>
+    <ds:schemaRef ds:uri="http://www.w3.org/2001/XMLSchema"/>
+    <ds:schemaRef ds:uri="http://schemas.microsoft.com/office/2006/metadata/properties"/>
+    <ds:schemaRef ds:uri="e0ffb6ef-0000-48aa-9041-fb29fcb198e5"/>
+    <ds:schemaRef ds:uri="900c2a09-0d28-449b-b8ad-3e76d664ec44"/>
+    <ds:schemaRef ds:uri="http://schemas.microsoft.com/office/2006/documentManagement/types"/>
+    <ds:schemaRef ds:uri="http://schemas.microsoft.com/office/infopath/2007/PartnerControls"/>
+    <ds:schemaRef ds:uri="http://schemas.openxmlformats.org/package/2006/metadata/core-properties"/>
+    <ds:schemaRef ds:uri="http://purl.org/dc/elements/1.1/"/>
+    <ds:schemaRef ds:uri="http://purl.org/dc/terms/"/>
+    <ds:schemaRef ds:uri="http://schemas.microsoft.com/internal/obd"/>
+  </ds:schemaRefs>
+</ds:datastoreItem>
+</file>
+
+<file path=customXml/itemProps2.xml><?xml version="1.0" encoding="utf-8"?>
+<ds:datastoreItem xmlns:ds="http://schemas.openxmlformats.org/officeDocument/2006/customXml" ds:itemID="{C79773B3-BEED-4422-883D-E6632C7C7120}">
+  <ds:schemaRefs>
+    <ds:schemaRef ds:uri="http://schemas.microsoft.com/sharepoint/v3/contenttype/forms"/>
+  </ds:schemaRefs>
+</ds:datastoreItem>
+</file>
+
+<file path=customXml/itemProps3.xml><?xml version="1.0" encoding="utf-8"?>
 <ds:datastoreItem xmlns:ds="http://schemas.openxmlformats.org/officeDocument/2006/customXml" ds:itemID="{5430857F-5B57-4BA6-87F2-356B3F6438EF}">
   <ds:schemaRefs>
     <ds:schemaRef ds:uri="http://purl.org/dc/elements/1.1/"/>
@@ -20190,31 +20242,4 @@
     <ds:schemaRef ds:uri="900c2a09-0d28-449b-b8ad-3e76d664ec44"/>
   </ds:schemaRefs>
 </ds:datastoreItem>
-</file>
-
-<file path=customXml/itemProps2.xml><?xml version="1.0" encoding="utf-8"?>
-<ds:datastoreItem xmlns:ds="http://schemas.openxmlformats.org/officeDocument/2006/customXml" ds:itemID="{C79773B3-BEED-4422-883D-E6632C7C7120}">
-  <ds:schemaRefs>
-    <ds:schemaRef ds:uri="http://schemas.microsoft.com/sharepoint/v3/contenttype/forms"/>
-  </ds:schemaRefs>
-</ds:datastoreItem>
-</file>
-
-<file path=customXml/itemProps3.xml><?xml version="1.0" encoding="utf-8"?>
-<ds:datastoreItem xmlns:ds="http://schemas.openxmlformats.org/officeDocument/2006/customXml" ds:itemID="{0609FC2D-FF61-443E-B441-93BB704A382B}">
-  <ds:schemaRefs>
-    <ds:schemaRef ds:uri="http://schemas.microsoft.com/office/2006/metadata/contentType"/>
-    <ds:schemaRef ds:uri="http://schemas.microsoft.com/office/2006/metadata/properties/metaAttributes"/>
-    <ds:schemaRef ds:uri="http://www.w3.org/2001/XMLSchema"/>
-    <ds:schemaRef ds:uri="http://schemas.microsoft.com/office/2006/metadata/properties"/>
-    <ds:schemaRef ds:uri="e0ffb6ef-0000-48aa-9041-fb29fcb198e5"/>
-    <ds:schemaRef ds:uri="900c2a09-0d28-449b-b8ad-3e76d664ec44"/>
-    <ds:schemaRef ds:uri="http://schemas.microsoft.com/office/2006/documentManagement/types"/>
-    <ds:schemaRef ds:uri="http://schemas.microsoft.com/office/infopath/2007/PartnerControls"/>
-    <ds:schemaRef ds:uri="http://schemas.openxmlformats.org/package/2006/metadata/core-properties"/>
-    <ds:schemaRef ds:uri="http://purl.org/dc/elements/1.1/"/>
-    <ds:schemaRef ds:uri="http://purl.org/dc/terms/"/>
-    <ds:schemaRef ds:uri="http://schemas.microsoft.com/internal/obd"/>
-  </ds:schemaRefs>
-</ds:datastoreItem>
 </file>